--- a/keyloggerproject.pptx
+++ b/keyloggerproject.pptx
@@ -260,7 +260,7 @@
           <a:p>
             <a:fld id="{CC399533-0EE2-4072-B299-0D65DA51F380}" type="datetimeFigureOut">
               <a:rPr lang="en-IN" smtClean="0"/>
-              <a:t>01-04-2024</a:t>
+              <a:t>03-04-2024</a:t>
             </a:fld>
             <a:endParaRPr lang="en-IN"/>
           </a:p>
@@ -547,7 +547,7 @@
           <a:p>
             <a:fld id="{CC399533-0EE2-4072-B299-0D65DA51F380}" type="datetimeFigureOut">
               <a:rPr lang="en-IN" smtClean="0"/>
-              <a:t>01-04-2024</a:t>
+              <a:t>03-04-2024</a:t>
             </a:fld>
             <a:endParaRPr lang="en-IN"/>
           </a:p>
@@ -739,7 +739,7 @@
           <a:p>
             <a:fld id="{CC399533-0EE2-4072-B299-0D65DA51F380}" type="datetimeFigureOut">
               <a:rPr lang="en-IN" smtClean="0"/>
-              <a:t>01-04-2024</a:t>
+              <a:t>03-04-2024</a:t>
             </a:fld>
             <a:endParaRPr lang="en-IN"/>
           </a:p>
@@ -1000,7 +1000,7 @@
           <a:p>
             <a:fld id="{CC399533-0EE2-4072-B299-0D65DA51F380}" type="datetimeFigureOut">
               <a:rPr lang="en-IN" smtClean="0"/>
-              <a:t>01-04-2024</a:t>
+              <a:t>03-04-2024</a:t>
             </a:fld>
             <a:endParaRPr lang="en-IN"/>
           </a:p>
@@ -1424,7 +1424,7 @@
           <a:p>
             <a:fld id="{CC399533-0EE2-4072-B299-0D65DA51F380}" type="datetimeFigureOut">
               <a:rPr lang="en-IN" smtClean="0"/>
-              <a:t>01-04-2024</a:t>
+              <a:t>03-04-2024</a:t>
             </a:fld>
             <a:endParaRPr lang="en-IN"/>
           </a:p>
@@ -1970,7 +1970,7 @@
           <a:p>
             <a:fld id="{CC399533-0EE2-4072-B299-0D65DA51F380}" type="datetimeFigureOut">
               <a:rPr lang="en-IN" smtClean="0"/>
-              <a:t>01-04-2024</a:t>
+              <a:t>03-04-2024</a:t>
             </a:fld>
             <a:endParaRPr lang="en-IN"/>
           </a:p>
@@ -2810,7 +2810,7 @@
           <a:p>
             <a:fld id="{CC399533-0EE2-4072-B299-0D65DA51F380}" type="datetimeFigureOut">
               <a:rPr lang="en-IN" smtClean="0"/>
-              <a:t>01-04-2024</a:t>
+              <a:t>03-04-2024</a:t>
             </a:fld>
             <a:endParaRPr lang="en-IN"/>
           </a:p>
@@ -2980,7 +2980,7 @@
           <a:p>
             <a:fld id="{CC399533-0EE2-4072-B299-0D65DA51F380}" type="datetimeFigureOut">
               <a:rPr lang="en-IN" smtClean="0"/>
-              <a:t>01-04-2024</a:t>
+              <a:t>03-04-2024</a:t>
             </a:fld>
             <a:endParaRPr lang="en-IN"/>
           </a:p>
@@ -3164,7 +3164,7 @@
           <a:p>
             <a:fld id="{CC399533-0EE2-4072-B299-0D65DA51F380}" type="datetimeFigureOut">
               <a:rPr lang="en-IN" smtClean="0"/>
-              <a:t>01-04-2024</a:t>
+              <a:t>03-04-2024</a:t>
             </a:fld>
             <a:endParaRPr lang="en-IN"/>
           </a:p>
@@ -3334,7 +3334,7 @@
           <a:p>
             <a:fld id="{CC399533-0EE2-4072-B299-0D65DA51F380}" type="datetimeFigureOut">
               <a:rPr lang="en-IN" smtClean="0"/>
-              <a:t>01-04-2024</a:t>
+              <a:t>03-04-2024</a:t>
             </a:fld>
             <a:endParaRPr lang="en-IN"/>
           </a:p>
@@ -3582,7 +3582,7 @@
           <a:p>
             <a:fld id="{CC399533-0EE2-4072-B299-0D65DA51F380}" type="datetimeFigureOut">
               <a:rPr lang="en-IN" smtClean="0"/>
-              <a:t>01-04-2024</a:t>
+              <a:t>03-04-2024</a:t>
             </a:fld>
             <a:endParaRPr lang="en-IN"/>
           </a:p>
@@ -3819,7 +3819,7 @@
           <a:p>
             <a:fld id="{CC399533-0EE2-4072-B299-0D65DA51F380}" type="datetimeFigureOut">
               <a:rPr lang="en-IN" smtClean="0"/>
-              <a:t>01-04-2024</a:t>
+              <a:t>03-04-2024</a:t>
             </a:fld>
             <a:endParaRPr lang="en-IN"/>
           </a:p>
@@ -4192,7 +4192,7 @@
           <a:p>
             <a:fld id="{CC399533-0EE2-4072-B299-0D65DA51F380}" type="datetimeFigureOut">
               <a:rPr lang="en-IN" smtClean="0"/>
-              <a:t>01-04-2024</a:t>
+              <a:t>03-04-2024</a:t>
             </a:fld>
             <a:endParaRPr lang="en-IN"/>
           </a:p>
@@ -4310,7 +4310,7 @@
           <a:p>
             <a:fld id="{CC399533-0EE2-4072-B299-0D65DA51F380}" type="datetimeFigureOut">
               <a:rPr lang="en-IN" smtClean="0"/>
-              <a:t>01-04-2024</a:t>
+              <a:t>03-04-2024</a:t>
             </a:fld>
             <a:endParaRPr lang="en-IN"/>
           </a:p>
@@ -4405,7 +4405,7 @@
           <a:p>
             <a:fld id="{CC399533-0EE2-4072-B299-0D65DA51F380}" type="datetimeFigureOut">
               <a:rPr lang="en-IN" smtClean="0"/>
-              <a:t>01-04-2024</a:t>
+              <a:t>03-04-2024</a:t>
             </a:fld>
             <a:endParaRPr lang="en-IN"/>
           </a:p>
@@ -4656,7 +4656,7 @@
           <a:p>
             <a:fld id="{CC399533-0EE2-4072-B299-0D65DA51F380}" type="datetimeFigureOut">
               <a:rPr lang="en-IN" smtClean="0"/>
-              <a:t>01-04-2024</a:t>
+              <a:t>03-04-2024</a:t>
             </a:fld>
             <a:endParaRPr lang="en-IN"/>
           </a:p>
@@ -4943,7 +4943,7 @@
           <a:p>
             <a:fld id="{CC399533-0EE2-4072-B299-0D65DA51F380}" type="datetimeFigureOut">
               <a:rPr lang="en-IN" smtClean="0"/>
-              <a:t>01-04-2024</a:t>
+              <a:t>03-04-2024</a:t>
             </a:fld>
             <a:endParaRPr lang="en-IN"/>
           </a:p>
@@ -5156,7 +5156,7 @@
           <a:p>
             <a:fld id="{CC399533-0EE2-4072-B299-0D65DA51F380}" type="datetimeFigureOut">
               <a:rPr lang="en-IN" smtClean="0"/>
-              <a:t>01-04-2024</a:t>
+              <a:t>03-04-2024</a:t>
             </a:fld>
             <a:endParaRPr lang="en-IN"/>
           </a:p>
@@ -5665,7 +5665,7 @@
           <a:p>
             <a:r>
               <a:rPr lang="en-IN" dirty="0"/>
-              <a:t> project</a:t>
+              <a:t>Capstone project</a:t>
             </a:r>
             <a:br>
               <a:rPr lang="en-IN" dirty="0"/>
@@ -5726,7 +5726,7 @@
             </a:pPr>
             <a:r>
               <a:rPr lang="en-IN" dirty="0"/>
-              <a:t>                     (510821205026)</a:t>
+              <a:t>                 (510821205026)</a:t>
             </a:r>
           </a:p>
         </p:txBody>
@@ -6468,10 +6468,10 @@
       </p:sp>
       <p:pic>
         <p:nvPicPr>
-          <p:cNvPr id="5" name="Content Placeholder 4">
+          <p:cNvPr id="7" name="Content Placeholder 6">
             <a:extLst>
               <a:ext uri="{FF2B5EF4-FFF2-40B4-BE49-F238E27FC236}">
-                <a16:creationId xmlns:a16="http://schemas.microsoft.com/office/drawing/2014/main" id="{1D414E28-911C-33C2-82ED-9BAB7E2B909B}"/>
+                <a16:creationId xmlns:a16="http://schemas.microsoft.com/office/drawing/2014/main" id="{B82F6FDD-3C26-9A53-AF22-032AD921902B}"/>
               </a:ext>
             </a:extLst>
           </p:cNvPr>
@@ -6496,8 +6496,8 @@
         </p:blipFill>
         <p:spPr>
           <a:xfrm>
-            <a:off x="2544576" y="2160815"/>
-            <a:ext cx="7092197" cy="3695700"/>
+            <a:off x="2512950" y="2095500"/>
+            <a:ext cx="7156574" cy="3695700"/>
           </a:xfrm>
         </p:spPr>
       </p:pic>
